--- a/3. Data wrangling/Data_wrangling.pptx
+++ b/3. Data wrangling/Data_wrangling.pptx
@@ -5,7 +5,7 @@
     <p:sldMasterId id="2147483660" r:id="rId1"/>
   </p:sldMasterIdLst>
   <p:notesMasterIdLst>
-    <p:notesMasterId r:id="rId10"/>
+    <p:notesMasterId r:id="rId12"/>
   </p:notesMasterIdLst>
   <p:sldIdLst>
     <p:sldId id="264" r:id="rId2"/>
@@ -13,9 +13,11 @@
     <p:sldId id="265" r:id="rId4"/>
     <p:sldId id="266" r:id="rId5"/>
     <p:sldId id="260" r:id="rId6"/>
-    <p:sldId id="275" r:id="rId7"/>
-    <p:sldId id="276" r:id="rId8"/>
-    <p:sldId id="261" r:id="rId9"/>
+    <p:sldId id="278" r:id="rId7"/>
+    <p:sldId id="279" r:id="rId8"/>
+    <p:sldId id="276" r:id="rId9"/>
+    <p:sldId id="281" r:id="rId10"/>
+    <p:sldId id="280" r:id="rId11"/>
   </p:sldIdLst>
   <p:sldSz cx="9144000" cy="6858000" type="screen4x3"/>
   <p:notesSz cx="6858000" cy="9144000"/>
@@ -215,7 +217,7 @@
           <a:p>
             <a:fld id="{78EF6C0C-09AC-ED43-84BF-9C464E8B416D}" type="datetimeFigureOut">
               <a:rPr lang="en-US" smtClean="0"/>
-              <a:t>9/10/19</a:t>
+              <a:t>9/24/19</a:t>
             </a:fld>
             <a:endParaRPr lang="en-US"/>
           </a:p>
@@ -482,6 +484,93 @@
 </p:notesMaster>
 </file>
 
+<file path=ppt/notesSlides/notesSlide1.xml><?xml version="1.0" encoding="utf-8"?>
+<p:notes xmlns:a="http://schemas.openxmlformats.org/drawingml/2006/main" xmlns:r="http://schemas.openxmlformats.org/officeDocument/2006/relationships" xmlns:p="http://schemas.openxmlformats.org/presentationml/2006/main">
+  <p:cSld>
+    <p:spTree>
+      <p:nvGrpSpPr>
+        <p:cNvPr id="1" name=""/>
+        <p:cNvGrpSpPr/>
+        <p:nvPr/>
+      </p:nvGrpSpPr>
+      <p:grpSpPr>
+        <a:xfrm>
+          <a:off x="0" y="0"/>
+          <a:ext cx="0" cy="0"/>
+          <a:chOff x="0" y="0"/>
+          <a:chExt cx="0" cy="0"/>
+        </a:xfrm>
+      </p:grpSpPr>
+      <p:sp>
+        <p:nvSpPr>
+          <p:cNvPr id="2" name="Slide Image Placeholder 1"/>
+          <p:cNvSpPr>
+            <a:spLocks noGrp="1" noRot="1" noChangeAspect="1"/>
+          </p:cNvSpPr>
+          <p:nvPr>
+            <p:ph type="sldImg"/>
+          </p:nvPr>
+        </p:nvSpPr>
+        <p:spPr/>
+      </p:sp>
+      <p:sp>
+        <p:nvSpPr>
+          <p:cNvPr id="3" name="Notes Placeholder 2"/>
+          <p:cNvSpPr>
+            <a:spLocks noGrp="1"/>
+          </p:cNvSpPr>
+          <p:nvPr>
+            <p:ph type="body" idx="1"/>
+          </p:nvPr>
+        </p:nvSpPr>
+        <p:spPr/>
+        <p:txBody>
+          <a:bodyPr/>
+          <a:lstStyle/>
+          <a:p>
+            <a:r>
+              <a:rPr lang="en-US" dirty="0"/>
+              <a:t>Only table 1 is tidy. Why? </a:t>
+            </a:r>
+          </a:p>
+        </p:txBody>
+      </p:sp>
+      <p:sp>
+        <p:nvSpPr>
+          <p:cNvPr id="4" name="Slide Number Placeholder 3"/>
+          <p:cNvSpPr>
+            <a:spLocks noGrp="1"/>
+          </p:cNvSpPr>
+          <p:nvPr>
+            <p:ph type="sldNum" sz="quarter" idx="5"/>
+          </p:nvPr>
+        </p:nvSpPr>
+        <p:spPr/>
+        <p:txBody>
+          <a:bodyPr/>
+          <a:lstStyle/>
+          <a:p>
+            <a:fld id="{62F97255-B693-B54F-97EA-E621787727F9}" type="slidenum">
+              <a:rPr lang="en-US" smtClean="0"/>
+              <a:t>10</a:t>
+            </a:fld>
+            <a:endParaRPr lang="en-US"/>
+          </a:p>
+        </p:txBody>
+      </p:sp>
+    </p:spTree>
+    <p:extLst>
+      <p:ext uri="{BB962C8B-B14F-4D97-AF65-F5344CB8AC3E}">
+        <p14:creationId xmlns:p14="http://schemas.microsoft.com/office/powerpoint/2010/main" val="3532610509"/>
+      </p:ext>
+    </p:extLst>
+  </p:cSld>
+  <p:clrMapOvr>
+    <a:masterClrMapping/>
+  </p:clrMapOvr>
+</p:notes>
+</file>
+
 <file path=ppt/slideLayouts/slideLayout1.xml><?xml version="1.0" encoding="utf-8"?>
 <p:sldLayout xmlns:a="http://schemas.openxmlformats.org/drawingml/2006/main" xmlns:r="http://schemas.openxmlformats.org/officeDocument/2006/relationships" xmlns:p="http://schemas.openxmlformats.org/presentationml/2006/main" type="title" preserve="1">
   <p:cSld name="Title Slide">
@@ -668,7 +757,7 @@
                 </a:solidFill>
               </a:rPr>
               <a:pPr/>
-              <a:t>9/10/19</a:t>
+              <a:t>9/24/19</a:t>
             </a:fld>
             <a:endParaRPr lang="en-US">
               <a:solidFill>
@@ -868,7 +957,7 @@
                 </a:solidFill>
               </a:rPr>
               <a:pPr/>
-              <a:t>9/10/19</a:t>
+              <a:t>9/24/19</a:t>
             </a:fld>
             <a:endParaRPr lang="en-US">
               <a:solidFill>
@@ -1078,7 +1167,7 @@
                 </a:solidFill>
               </a:rPr>
               <a:pPr/>
-              <a:t>9/10/19</a:t>
+              <a:t>9/24/19</a:t>
             </a:fld>
             <a:endParaRPr lang="en-US">
               <a:solidFill>
@@ -1278,7 +1367,7 @@
                 </a:solidFill>
               </a:rPr>
               <a:pPr/>
-              <a:t>9/10/19</a:t>
+              <a:t>9/24/19</a:t>
             </a:fld>
             <a:endParaRPr lang="en-US">
               <a:solidFill>
@@ -1555,7 +1644,7 @@
                 </a:solidFill>
               </a:rPr>
               <a:pPr/>
-              <a:t>9/10/19</a:t>
+              <a:t>9/24/19</a:t>
             </a:fld>
             <a:endParaRPr lang="en-US">
               <a:solidFill>
@@ -1872,7 +1961,7 @@
                 </a:solidFill>
               </a:rPr>
               <a:pPr/>
-              <a:t>9/10/19</a:t>
+              <a:t>9/24/19</a:t>
             </a:fld>
             <a:endParaRPr lang="en-US">
               <a:solidFill>
@@ -2323,7 +2412,7 @@
                 </a:solidFill>
               </a:rPr>
               <a:pPr/>
-              <a:t>9/10/19</a:t>
+              <a:t>9/24/19</a:t>
             </a:fld>
             <a:endParaRPr lang="en-US">
               <a:solidFill>
@@ -2472,7 +2561,7 @@
                 </a:solidFill>
               </a:rPr>
               <a:pPr/>
-              <a:t>9/10/19</a:t>
+              <a:t>9/24/19</a:t>
             </a:fld>
             <a:endParaRPr lang="en-US">
               <a:solidFill>
@@ -2599,7 +2688,7 @@
                 </a:solidFill>
               </a:rPr>
               <a:pPr/>
-              <a:t>9/10/19</a:t>
+              <a:t>9/24/19</a:t>
             </a:fld>
             <a:endParaRPr lang="en-US">
               <a:solidFill>
@@ -2906,7 +2995,7 @@
                 </a:solidFill>
               </a:rPr>
               <a:pPr/>
-              <a:t>9/10/19</a:t>
+              <a:t>9/24/19</a:t>
             </a:fld>
             <a:endParaRPr lang="en-US">
               <a:solidFill>
@@ -3190,7 +3279,7 @@
                 </a:solidFill>
               </a:rPr>
               <a:pPr/>
-              <a:t>9/10/19</a:t>
+              <a:t>9/24/19</a:t>
             </a:fld>
             <a:endParaRPr lang="en-US">
               <a:solidFill>
@@ -3434,7 +3523,7 @@
                 </a:solidFill>
               </a:rPr>
               <a:pPr defTabSz="457200"/>
-              <a:t>9/10/19</a:t>
+              <a:t>9/24/19</a:t>
             </a:fld>
             <a:endParaRPr lang="en-US">
               <a:solidFill>
@@ -3882,13 +3971,13 @@
           <a:p>
             <a:r>
               <a:rPr lang="en-US" dirty="0"/>
-              <a:t>EEB698</a:t>
-            </a:r>
-          </a:p>
-          <a:p>
-            <a:r>
-              <a:rPr lang="en-US" dirty="0"/>
-              <a:t>September 17, 2018</a:t>
+              <a:t>EEOB590A</a:t>
+            </a:r>
+          </a:p>
+          <a:p>
+            <a:r>
+              <a:rPr lang="en-US" dirty="0"/>
+              <a:t>September 24, 2019</a:t>
             </a:r>
           </a:p>
         </p:txBody>
@@ -3897,6 +3986,501 @@
     <p:extLst>
       <p:ext uri="{BB962C8B-B14F-4D97-AF65-F5344CB8AC3E}">
         <p14:creationId xmlns:p14="http://schemas.microsoft.com/office/powerpoint/2010/main" val="1931610245"/>
+      </p:ext>
+    </p:extLst>
+  </p:cSld>
+  <p:clrMapOvr>
+    <a:masterClrMapping/>
+  </p:clrMapOvr>
+</p:sld>
+</file>
+
+<file path=ppt/slides/slide10.xml><?xml version="1.0" encoding="utf-8"?>
+<p:sld xmlns:a="http://schemas.openxmlformats.org/drawingml/2006/main" xmlns:r="http://schemas.openxmlformats.org/officeDocument/2006/relationships" xmlns:p="http://schemas.openxmlformats.org/presentationml/2006/main">
+  <p:cSld>
+    <p:spTree>
+      <p:nvGrpSpPr>
+        <p:cNvPr id="1" name=""/>
+        <p:cNvGrpSpPr/>
+        <p:nvPr/>
+      </p:nvGrpSpPr>
+      <p:grpSpPr>
+        <a:xfrm>
+          <a:off x="0" y="0"/>
+          <a:ext cx="0" cy="0"/>
+          <a:chOff x="0" y="0"/>
+          <a:chExt cx="0" cy="0"/>
+        </a:xfrm>
+      </p:grpSpPr>
+      <p:sp>
+        <p:nvSpPr>
+          <p:cNvPr id="4" name="Rectangle 3">
+            <a:extLst>
+              <a:ext uri="{FF2B5EF4-FFF2-40B4-BE49-F238E27FC236}">
+                <a16:creationId xmlns:a16="http://schemas.microsoft.com/office/drawing/2014/main" id="{DDA8FAC3-28E1-5747-BC5A-3397427FFDE0}"/>
+              </a:ext>
+            </a:extLst>
+          </p:cNvPr>
+          <p:cNvSpPr/>
+          <p:nvPr/>
+        </p:nvSpPr>
+        <p:spPr>
+          <a:xfrm>
+            <a:off x="171450" y="274638"/>
+            <a:ext cx="4572000" cy="2585323"/>
+          </a:xfrm>
+          <a:prstGeom prst="rect">
+            <a:avLst/>
+          </a:prstGeom>
+        </p:spPr>
+        <p:txBody>
+          <a:bodyPr>
+            <a:spAutoFit/>
+          </a:bodyPr>
+          <a:lstStyle/>
+          <a:p>
+            <a:r>
+              <a:rPr lang="en-US" dirty="0"/>
+              <a:t># A </a:t>
+            </a:r>
+            <a:r>
+              <a:rPr lang="en-US" dirty="0" err="1"/>
+              <a:t>tibble</a:t>
+            </a:r>
+            <a:r>
+              <a:rPr lang="en-US" dirty="0"/>
+              <a:t>: 6 x 4</a:t>
+            </a:r>
+          </a:p>
+          <a:p>
+            <a:r>
+              <a:rPr lang="en-US" dirty="0"/>
+              <a:t>  country      year  cases population</a:t>
+            </a:r>
+          </a:p>
+          <a:p>
+            <a:r>
+              <a:rPr lang="en-US" dirty="0"/>
+              <a:t>  &lt;</a:t>
+            </a:r>
+            <a:r>
+              <a:rPr lang="en-US" dirty="0" err="1"/>
+              <a:t>chr</a:t>
+            </a:r>
+            <a:r>
+              <a:rPr lang="en-US" dirty="0"/>
+              <a:t>&gt;       &lt;int&gt;  &lt;int&gt;      &lt;int&gt;</a:t>
+            </a:r>
+          </a:p>
+          <a:p>
+            <a:r>
+              <a:rPr lang="en-US" dirty="0"/>
+              <a:t>1 Afghanistan  1999    745   19987071</a:t>
+            </a:r>
+          </a:p>
+          <a:p>
+            <a:r>
+              <a:rPr lang="en-US" dirty="0"/>
+              <a:t>2 Afghanistan  2000   2666   20595360</a:t>
+            </a:r>
+          </a:p>
+          <a:p>
+            <a:r>
+              <a:rPr lang="en-US" dirty="0"/>
+              <a:t>3 Brazil       1999  37737  172006362</a:t>
+            </a:r>
+          </a:p>
+          <a:p>
+            <a:r>
+              <a:rPr lang="en-US" dirty="0"/>
+              <a:t>4 Brazil       2000  80488  174504898</a:t>
+            </a:r>
+          </a:p>
+          <a:p>
+            <a:r>
+              <a:rPr lang="en-US" dirty="0"/>
+              <a:t>5 China        1999 212258 1272915272</a:t>
+            </a:r>
+          </a:p>
+          <a:p>
+            <a:r>
+              <a:rPr lang="en-US" dirty="0"/>
+              <a:t>6 China        2000 213766 1280428583</a:t>
+            </a:r>
+          </a:p>
+        </p:txBody>
+      </p:sp>
+      <p:sp>
+        <p:nvSpPr>
+          <p:cNvPr id="5" name="Rectangle 4">
+            <a:extLst>
+              <a:ext uri="{FF2B5EF4-FFF2-40B4-BE49-F238E27FC236}">
+                <a16:creationId xmlns:a16="http://schemas.microsoft.com/office/drawing/2014/main" id="{8A113ACA-FE82-E540-B716-F57E35E3910B}"/>
+              </a:ext>
+            </a:extLst>
+          </p:cNvPr>
+          <p:cNvSpPr/>
+          <p:nvPr/>
+        </p:nvSpPr>
+        <p:spPr>
+          <a:xfrm>
+            <a:off x="4572000" y="0"/>
+            <a:ext cx="4572000" cy="4247317"/>
+          </a:xfrm>
+          <a:prstGeom prst="rect">
+            <a:avLst/>
+          </a:prstGeom>
+        </p:spPr>
+        <p:txBody>
+          <a:bodyPr>
+            <a:spAutoFit/>
+          </a:bodyPr>
+          <a:lstStyle/>
+          <a:p>
+            <a:r>
+              <a:rPr lang="en-US" dirty="0"/>
+              <a:t>A </a:t>
+            </a:r>
+            <a:r>
+              <a:rPr lang="en-US" dirty="0" err="1"/>
+              <a:t>tibble</a:t>
+            </a:r>
+            <a:r>
+              <a:rPr lang="en-US" dirty="0"/>
+              <a:t>: 12 x 4</a:t>
+            </a:r>
+          </a:p>
+          <a:p>
+            <a:r>
+              <a:rPr lang="en-US" dirty="0"/>
+              <a:t>   country      year type            count</a:t>
+            </a:r>
+          </a:p>
+          <a:p>
+            <a:r>
+              <a:rPr lang="en-US" dirty="0"/>
+              <a:t>   &lt;</a:t>
+            </a:r>
+            <a:r>
+              <a:rPr lang="en-US" dirty="0" err="1"/>
+              <a:t>chr</a:t>
+            </a:r>
+            <a:r>
+              <a:rPr lang="en-US" dirty="0"/>
+              <a:t>&gt;       &lt;int&gt; &lt;</a:t>
+            </a:r>
+            <a:r>
+              <a:rPr lang="en-US" dirty="0" err="1"/>
+              <a:t>chr</a:t>
+            </a:r>
+            <a:r>
+              <a:rPr lang="en-US" dirty="0"/>
+              <a:t>&gt;           &lt;int&gt;</a:t>
+            </a:r>
+          </a:p>
+          <a:p>
+            <a:r>
+              <a:rPr lang="en-US" dirty="0"/>
+              <a:t> 1 Afghanistan  1999 cases             745</a:t>
+            </a:r>
+          </a:p>
+          <a:p>
+            <a:r>
+              <a:rPr lang="en-US" dirty="0"/>
+              <a:t> 2 Afghanistan  1999 population   19987071</a:t>
+            </a:r>
+          </a:p>
+          <a:p>
+            <a:r>
+              <a:rPr lang="en-US" dirty="0"/>
+              <a:t> 3 Afghanistan  2000 cases            2666</a:t>
+            </a:r>
+          </a:p>
+          <a:p>
+            <a:r>
+              <a:rPr lang="en-US" dirty="0"/>
+              <a:t> 4 Afghanistan  2000 population   20595360</a:t>
+            </a:r>
+          </a:p>
+          <a:p>
+            <a:r>
+              <a:rPr lang="en-US" dirty="0"/>
+              <a:t> 5 Brazil       1999 cases           37737</a:t>
+            </a:r>
+          </a:p>
+          <a:p>
+            <a:r>
+              <a:rPr lang="en-US" dirty="0"/>
+              <a:t> 6 Brazil       1999 population  172006362</a:t>
+            </a:r>
+          </a:p>
+          <a:p>
+            <a:r>
+              <a:rPr lang="en-US" dirty="0"/>
+              <a:t> 7 Brazil       2000 cases           80488</a:t>
+            </a:r>
+          </a:p>
+          <a:p>
+            <a:r>
+              <a:rPr lang="en-US" dirty="0"/>
+              <a:t> 8 Brazil       2000 population  174504898</a:t>
+            </a:r>
+          </a:p>
+          <a:p>
+            <a:r>
+              <a:rPr lang="en-US" dirty="0"/>
+              <a:t> 9 China        1999 cases          212258</a:t>
+            </a:r>
+          </a:p>
+          <a:p>
+            <a:r>
+              <a:rPr lang="en-US" dirty="0"/>
+              <a:t>10 China        1999 population 1272915272</a:t>
+            </a:r>
+          </a:p>
+          <a:p>
+            <a:r>
+              <a:rPr lang="en-US" dirty="0"/>
+              <a:t>11 China        2000 cases          213766</a:t>
+            </a:r>
+          </a:p>
+          <a:p>
+            <a:r>
+              <a:rPr lang="en-US" dirty="0"/>
+              <a:t>12 China        2000 population 1280428583</a:t>
+            </a:r>
+          </a:p>
+        </p:txBody>
+      </p:sp>
+      <p:sp>
+        <p:nvSpPr>
+          <p:cNvPr id="6" name="Rectangle 5">
+            <a:extLst>
+              <a:ext uri="{FF2B5EF4-FFF2-40B4-BE49-F238E27FC236}">
+                <a16:creationId xmlns:a16="http://schemas.microsoft.com/office/drawing/2014/main" id="{E1EF899C-CC39-6847-AB0B-CE139784456A}"/>
+              </a:ext>
+            </a:extLst>
+          </p:cNvPr>
+          <p:cNvSpPr/>
+          <p:nvPr/>
+        </p:nvSpPr>
+        <p:spPr>
+          <a:xfrm>
+            <a:off x="328612" y="3648334"/>
+            <a:ext cx="4572000" cy="2585323"/>
+          </a:xfrm>
+          <a:prstGeom prst="rect">
+            <a:avLst/>
+          </a:prstGeom>
+        </p:spPr>
+        <p:txBody>
+          <a:bodyPr>
+            <a:spAutoFit/>
+          </a:bodyPr>
+          <a:lstStyle/>
+          <a:p>
+            <a:r>
+              <a:rPr lang="en-US" dirty="0"/>
+              <a:t># A </a:t>
+            </a:r>
+            <a:r>
+              <a:rPr lang="en-US" dirty="0" err="1"/>
+              <a:t>tibble</a:t>
+            </a:r>
+            <a:r>
+              <a:rPr lang="en-US" dirty="0"/>
+              <a:t>: 6 x 3</a:t>
+            </a:r>
+          </a:p>
+          <a:p>
+            <a:r>
+              <a:rPr lang="en-US" dirty="0"/>
+              <a:t>  country      year rate             </a:t>
+            </a:r>
+          </a:p>
+          <a:p>
+            <a:r>
+              <a:rPr lang="en-US" dirty="0"/>
+              <a:t>* &lt;</a:t>
+            </a:r>
+            <a:r>
+              <a:rPr lang="en-US" dirty="0" err="1"/>
+              <a:t>chr</a:t>
+            </a:r>
+            <a:r>
+              <a:rPr lang="en-US" dirty="0"/>
+              <a:t>&gt;       &lt;int&gt; &lt;</a:t>
+            </a:r>
+            <a:r>
+              <a:rPr lang="en-US" dirty="0" err="1"/>
+              <a:t>chr</a:t>
+            </a:r>
+            <a:r>
+              <a:rPr lang="en-US" dirty="0"/>
+              <a:t>&gt;            </a:t>
+            </a:r>
+          </a:p>
+          <a:p>
+            <a:r>
+              <a:rPr lang="en-US" dirty="0"/>
+              <a:t>1 Afghanistan  1999 745/19987071     </a:t>
+            </a:r>
+          </a:p>
+          <a:p>
+            <a:r>
+              <a:rPr lang="en-US" dirty="0"/>
+              <a:t>2 Afghanistan  2000 2666/20595360    </a:t>
+            </a:r>
+          </a:p>
+          <a:p>
+            <a:r>
+              <a:rPr lang="en-US" dirty="0"/>
+              <a:t>3 Brazil       1999 37737/172006362  </a:t>
+            </a:r>
+          </a:p>
+          <a:p>
+            <a:r>
+              <a:rPr lang="en-US" dirty="0"/>
+              <a:t>4 Brazil       2000 80488/174504898  </a:t>
+            </a:r>
+          </a:p>
+          <a:p>
+            <a:r>
+              <a:rPr lang="en-US" dirty="0"/>
+              <a:t>5 China        1999 212258/1272915272</a:t>
+            </a:r>
+          </a:p>
+          <a:p>
+            <a:r>
+              <a:rPr lang="en-US" dirty="0"/>
+              <a:t>6 China        2000 213766/1280428583</a:t>
+            </a:r>
+          </a:p>
+        </p:txBody>
+      </p:sp>
+      <p:sp>
+        <p:nvSpPr>
+          <p:cNvPr id="8" name="Rectangle 7">
+            <a:extLst>
+              <a:ext uri="{FF2B5EF4-FFF2-40B4-BE49-F238E27FC236}">
+                <a16:creationId xmlns:a16="http://schemas.microsoft.com/office/drawing/2014/main" id="{C1F67714-3FC3-DF41-B7BE-9315E7C2B6E2}"/>
+              </a:ext>
+            </a:extLst>
+          </p:cNvPr>
+          <p:cNvSpPr/>
+          <p:nvPr/>
+        </p:nvSpPr>
+        <p:spPr>
+          <a:xfrm>
+            <a:off x="4572000" y="4556166"/>
+            <a:ext cx="4572000" cy="1754326"/>
+          </a:xfrm>
+          <a:prstGeom prst="rect">
+            <a:avLst/>
+          </a:prstGeom>
+        </p:spPr>
+        <p:txBody>
+          <a:bodyPr>
+            <a:spAutoFit/>
+          </a:bodyPr>
+          <a:lstStyle/>
+          <a:p>
+            <a:r>
+              <a:rPr lang="en-US" dirty="0"/>
+              <a:t># A </a:t>
+            </a:r>
+            <a:r>
+              <a:rPr lang="en-US" dirty="0" err="1"/>
+              <a:t>tibble</a:t>
+            </a:r>
+            <a:r>
+              <a:rPr lang="en-US" dirty="0"/>
+              <a:t>: 3 x 3</a:t>
+            </a:r>
+          </a:p>
+          <a:p>
+            <a:r>
+              <a:rPr lang="en-US" dirty="0"/>
+              <a:t>  country     `1999` `2000`</a:t>
+            </a:r>
+          </a:p>
+          <a:p>
+            <a:r>
+              <a:rPr lang="en-US" dirty="0"/>
+              <a:t>* &lt;</a:t>
+            </a:r>
+            <a:r>
+              <a:rPr lang="en-US" dirty="0" err="1"/>
+              <a:t>chr</a:t>
+            </a:r>
+            <a:r>
+              <a:rPr lang="en-US" dirty="0"/>
+              <a:t>&gt;        &lt;int&gt;  &lt;int&gt;</a:t>
+            </a:r>
+          </a:p>
+          <a:p>
+            <a:r>
+              <a:rPr lang="en-US" dirty="0"/>
+              <a:t>1 Afghanistan    745   2666</a:t>
+            </a:r>
+          </a:p>
+          <a:p>
+            <a:r>
+              <a:rPr lang="en-US" dirty="0"/>
+              <a:t>2 Brazil       37737  80488</a:t>
+            </a:r>
+          </a:p>
+          <a:p>
+            <a:r>
+              <a:rPr lang="en-US" dirty="0"/>
+              <a:t>3 China       212258 213766</a:t>
+            </a:r>
+          </a:p>
+        </p:txBody>
+      </p:sp>
+      <p:sp>
+        <p:nvSpPr>
+          <p:cNvPr id="9" name="TextBox 8">
+            <a:extLst>
+              <a:ext uri="{FF2B5EF4-FFF2-40B4-BE49-F238E27FC236}">
+                <a16:creationId xmlns:a16="http://schemas.microsoft.com/office/drawing/2014/main" id="{722397B0-A2AE-4C40-B105-DD9E7DF4E6CD}"/>
+              </a:ext>
+            </a:extLst>
+          </p:cNvPr>
+          <p:cNvSpPr txBox="1"/>
+          <p:nvPr/>
+        </p:nvSpPr>
+        <p:spPr>
+          <a:xfrm>
+            <a:off x="1928813" y="6357840"/>
+            <a:ext cx="4563813" cy="369332"/>
+          </a:xfrm>
+          <a:prstGeom prst="rect">
+            <a:avLst/>
+          </a:prstGeom>
+          <a:noFill/>
+        </p:spPr>
+        <p:txBody>
+          <a:bodyPr wrap="none" rtlCol="0">
+            <a:spAutoFit/>
+          </a:bodyPr>
+          <a:lstStyle/>
+          <a:p>
+            <a:r>
+              <a:rPr lang="en-US" dirty="0">
+                <a:solidFill>
+                  <a:srgbClr val="FF0000"/>
+                </a:solidFill>
+              </a:rPr>
+              <a:t>Only one of these is tidy. Which one and why? </a:t>
+            </a:r>
+          </a:p>
+        </p:txBody>
+      </p:sp>
+    </p:spTree>
+    <p:extLst>
+      <p:ext uri="{BB962C8B-B14F-4D97-AF65-F5344CB8AC3E}">
+        <p14:creationId xmlns:p14="http://schemas.microsoft.com/office/powerpoint/2010/main" val="144645449"/>
       </p:ext>
     </p:extLst>
   </p:cSld>
@@ -4132,7 +4716,7 @@
         </p:spPr>
         <p:txBody>
           <a:bodyPr>
-            <a:normAutofit/>
+            <a:normAutofit lnSpcReduction="10000"/>
           </a:bodyPr>
           <a:lstStyle/>
           <a:p>
@@ -4142,7 +4726,72 @@
             </a:pPr>
             <a:r>
               <a:rPr lang="en-US" dirty="0"/>
-              <a:t>Wrangle! </a:t>
+              <a:t>Wrangle! Week 1 (Chapters 9, 10)</a:t>
+            </a:r>
+          </a:p>
+          <a:p>
+            <a:pPr marL="914400" lvl="1" indent="-514350"/>
+            <a:r>
+              <a:rPr lang="en-US" dirty="0"/>
+              <a:t>Learn how to pipe %&gt;%</a:t>
+            </a:r>
+          </a:p>
+          <a:p>
+            <a:pPr marL="914400" lvl="1" indent="-514350"/>
+            <a:r>
+              <a:rPr lang="en-US" dirty="0"/>
+              <a:t>Fix column names (rename())</a:t>
+            </a:r>
+          </a:p>
+          <a:p>
+            <a:pPr marL="914400" lvl="1" indent="-514350"/>
+            <a:r>
+              <a:rPr lang="en-US" dirty="0"/>
+              <a:t>Re-shape </a:t>
+            </a:r>
+          </a:p>
+          <a:p>
+            <a:pPr marL="1314450" lvl="2" indent="-514350"/>
+            <a:r>
+              <a:rPr lang="en-US" dirty="0"/>
+              <a:t>Separate (), unite ()</a:t>
+            </a:r>
+          </a:p>
+          <a:p>
+            <a:pPr marL="1314450" lvl="2" indent="-514350"/>
+            <a:r>
+              <a:rPr lang="en-US" dirty="0"/>
+              <a:t>Gather(), spread()</a:t>
+            </a:r>
+          </a:p>
+          <a:p>
+            <a:pPr marL="1314450" lvl="2" indent="-514350"/>
+            <a:r>
+              <a:rPr lang="en-US" dirty="0"/>
+              <a:t>Fill in missing values – spread (), complete (), fill()</a:t>
+            </a:r>
+          </a:p>
+          <a:p>
+            <a:pPr marL="1314450" lvl="2" indent="-514350"/>
+            <a:r>
+              <a:rPr lang="en-US" dirty="0"/>
+              <a:t>Combine tables (</a:t>
+            </a:r>
+            <a:r>
+              <a:rPr lang="en-US" dirty="0" err="1"/>
+              <a:t>bind_cols</a:t>
+            </a:r>
+            <a:r>
+              <a:rPr lang="en-US" dirty="0"/>
+              <a:t>(), </a:t>
+            </a:r>
+            <a:r>
+              <a:rPr lang="en-US" dirty="0" err="1"/>
+              <a:t>bind_rows</a:t>
+            </a:r>
+            <a:r>
+              <a:rPr lang="en-US" dirty="0"/>
+              <a:t>(), ___join())</a:t>
             </a:r>
           </a:p>
           <a:p>
@@ -4150,29 +4799,23 @@
               <a:buFont typeface="+mj-lt"/>
               <a:buAutoNum type="arabicPeriod"/>
             </a:pPr>
-            <a:r>
-              <a:rPr lang="en-US" dirty="0"/>
-              <a:t>Fix columns (names, class)</a:t>
-            </a:r>
-          </a:p>
-          <a:p>
-            <a:pPr marL="914400" lvl="1" indent="-514350">
+            <a:endParaRPr lang="en-US" dirty="0"/>
+          </a:p>
+          <a:p>
+            <a:pPr marL="514350" indent="-514350">
               <a:buFont typeface="+mj-lt"/>
               <a:buAutoNum type="arabicPeriod"/>
             </a:pPr>
             <a:r>
               <a:rPr lang="en-US" dirty="0"/>
-              <a:t>Re-shape (wide, long)</a:t>
-            </a:r>
-          </a:p>
-          <a:p>
-            <a:pPr marL="914400" lvl="1" indent="-514350">
-              <a:buFont typeface="+mj-lt"/>
-              <a:buAutoNum type="arabicPeriod"/>
-            </a:pPr>
-            <a:r>
-              <a:rPr lang="en-US" dirty="0"/>
-              <a:t>Fix cells (levels, spaces, case etc.)</a:t>
+              <a:t>Wrangle! Week 2 (Chapters 3, 11, 12, 13)</a:t>
+            </a:r>
+          </a:p>
+          <a:p>
+            <a:pPr marL="914400" lvl="1" indent="-514350"/>
+            <a:r>
+              <a:rPr lang="en-US" dirty="0"/>
+              <a:t>Fix information within cells (levels, spaces, case etc.), group, summarize, arrange </a:t>
             </a:r>
           </a:p>
         </p:txBody>
@@ -4191,7 +4834,7 @@
 </file>
 
 <file path=ppt/slides/slide4.xml><?xml version="1.0" encoding="utf-8"?>
-<p:sld xmlns:a="http://schemas.openxmlformats.org/drawingml/2006/main" xmlns:r="http://schemas.openxmlformats.org/officeDocument/2006/relationships" xmlns:p="http://schemas.openxmlformats.org/presentationml/2006/main">
+<p:sld xmlns:a="http://schemas.openxmlformats.org/drawingml/2006/main" xmlns:r="http://schemas.openxmlformats.org/officeDocument/2006/relationships" xmlns:p="http://schemas.openxmlformats.org/presentationml/2006/main" show="0">
   <p:cSld>
     <p:spTree>
       <p:nvGrpSpPr>
@@ -4257,8 +4900,13 @@
             </a:pPr>
             <a:r>
               <a:rPr lang="en-US" dirty="0"/>
-              <a:t>Learn how to pipe (%&gt;%)</a:t>
-            </a:r>
+              <a:t>Fix complex values within cells using </a:t>
+            </a:r>
+            <a:r>
+              <a:rPr lang="en-US" dirty="0" err="1"/>
+              <a:t>stringr</a:t>
+            </a:r>
+            <a:endParaRPr lang="en-US" dirty="0"/>
           </a:p>
           <a:p>
             <a:pPr marL="514350" indent="-514350">
@@ -4267,7 +4915,15 @@
             </a:pPr>
             <a:r>
               <a:rPr lang="en-US" dirty="0"/>
-              <a:t>Subset data (filter, select)</a:t>
+              <a:t>Fix factor levels using </a:t>
+            </a:r>
+            <a:r>
+              <a:rPr lang="en-US" dirty="0" err="1"/>
+              <a:t>forcat</a:t>
+            </a:r>
+            <a:r>
+              <a:rPr lang="en-US" dirty="0"/>
+              <a:t> &amp; classes</a:t>
             </a:r>
           </a:p>
           <a:p>
@@ -4277,16 +4933,13 @@
             </a:pPr>
             <a:r>
               <a:rPr lang="en-US" dirty="0"/>
-              <a:t>Group data (</a:t>
+              <a:t>Fix dates using </a:t>
             </a:r>
             <a:r>
               <a:rPr lang="en-US" dirty="0" err="1"/>
-              <a:t>group_by</a:t>
-            </a:r>
-            <a:r>
-              <a:rPr lang="en-US" dirty="0"/>
-              <a:t>)</a:t>
-            </a:r>
+              <a:t>lubridate</a:t>
+            </a:r>
+            <a:endParaRPr lang="en-US" dirty="0"/>
           </a:p>
           <a:p>
             <a:pPr marL="514350" indent="-514350">
@@ -4295,7 +4948,7 @@
             </a:pPr>
             <a:r>
               <a:rPr lang="en-US" dirty="0"/>
-              <a:t>Create new columns (mutate)</a:t>
+              <a:t>Subset rows (filter()) or columns (select())</a:t>
             </a:r>
           </a:p>
           <a:p>
@@ -4305,11 +4958,11 @@
             </a:pPr>
             <a:r>
               <a:rPr lang="en-US" dirty="0"/>
-              <a:t>Summarize data (</a:t>
+              <a:t>Group data (</a:t>
             </a:r>
             <a:r>
               <a:rPr lang="en-US" dirty="0" err="1"/>
-              <a:t>summarise</a:t>
+              <a:t>group_by</a:t>
             </a:r>
             <a:r>
               <a:rPr lang="en-US" dirty="0"/>
@@ -4323,7 +4976,7 @@
             </a:pPr>
             <a:r>
               <a:rPr lang="en-US" dirty="0"/>
-              <a:t>Arrange data by the levels of a particular column (arrange)</a:t>
+              <a:t>Create new columns (mutate())</a:t>
             </a:r>
           </a:p>
           <a:p>
@@ -4333,7 +4986,15 @@
             </a:pPr>
             <a:r>
               <a:rPr lang="en-US" dirty="0"/>
-              <a:t>Combine datasets (Join)</a:t>
+              <a:t>Summarize data (</a:t>
+            </a:r>
+            <a:r>
+              <a:rPr lang="en-US" dirty="0" err="1"/>
+              <a:t>summarise</a:t>
+            </a:r>
+            <a:r>
+              <a:rPr lang="en-US" dirty="0"/>
+              <a:t>(), count())</a:t>
             </a:r>
           </a:p>
           <a:p>
@@ -4343,15 +5004,7 @@
             </a:pPr>
             <a:r>
               <a:rPr lang="en-US" dirty="0"/>
-              <a:t>Iterate over groups (for loops, </a:t>
-            </a:r>
-            <a:r>
-              <a:rPr lang="en-US" dirty="0" err="1"/>
-              <a:t>purrr</a:t>
-            </a:r>
-            <a:r>
-              <a:rPr lang="en-US" dirty="0"/>
-              <a:t>)</a:t>
+              <a:t>Arrange data by the levels of a particular column (arrange())</a:t>
             </a:r>
           </a:p>
         </p:txBody>
@@ -4408,7 +5061,7 @@
           <a:p>
             <a:r>
               <a:rPr lang="en-US" dirty="0"/>
-              <a:t>6. Data wrangling</a:t>
+              <a:t>Data wrangling</a:t>
             </a:r>
           </a:p>
         </p:txBody>
@@ -4544,7 +5197,13 @@
       </p:grpSpPr>
       <p:sp>
         <p:nvSpPr>
-          <p:cNvPr id="2" name="Title 1"/>
+          <p:cNvPr id="2" name="Title 1">
+            <a:extLst>
+              <a:ext uri="{FF2B5EF4-FFF2-40B4-BE49-F238E27FC236}">
+                <a16:creationId xmlns:a16="http://schemas.microsoft.com/office/drawing/2014/main" id="{A19B58A8-7EE0-B448-BE95-4655E79D5D56}"/>
+              </a:ext>
+            </a:extLst>
+          </p:cNvPr>
           <p:cNvSpPr>
             <a:spLocks noGrp="1"/>
           </p:cNvSpPr>
@@ -4559,14 +5218,20 @@
           <a:p>
             <a:r>
               <a:rPr lang="en-US" dirty="0"/>
-              <a:t>6 – Rename columns </a:t>
-            </a:r>
-          </a:p>
-        </p:txBody>
-      </p:sp>
-      <p:sp>
-        <p:nvSpPr>
-          <p:cNvPr id="3" name="Content Placeholder 2"/>
+              <a:t>Piping</a:t>
+            </a:r>
+          </a:p>
+        </p:txBody>
+      </p:sp>
+      <p:sp>
+        <p:nvSpPr>
+          <p:cNvPr id="3" name="Content Placeholder 2">
+            <a:extLst>
+              <a:ext uri="{FF2B5EF4-FFF2-40B4-BE49-F238E27FC236}">
+                <a16:creationId xmlns:a16="http://schemas.microsoft.com/office/drawing/2014/main" id="{572EDB3B-CD58-2C4F-8822-592346E7D4F0}"/>
+              </a:ext>
+            </a:extLst>
+          </p:cNvPr>
           <p:cNvSpPr>
             <a:spLocks noGrp="1"/>
           </p:cNvSpPr>
@@ -4581,15 +5246,38 @@
           <a:p>
             <a:r>
               <a:rPr lang="en-US" dirty="0"/>
-              <a:t>Rename function</a:t>
-            </a:r>
+              <a:t>%&gt;% symbol </a:t>
+            </a:r>
+          </a:p>
+          <a:p>
+            <a:r>
+              <a:rPr lang="en-US" dirty="0"/>
+              <a:t>Part of </a:t>
+            </a:r>
+            <a:r>
+              <a:rPr lang="en-US" dirty="0" err="1"/>
+              <a:t>tidyverse</a:t>
+            </a:r>
+            <a:endParaRPr lang="en-US" dirty="0"/>
+          </a:p>
+          <a:p>
+            <a:r>
+              <a:rPr lang="en-US" dirty="0"/>
+              <a:t>Replaces order of operations-style coding</a:t>
+            </a:r>
+          </a:p>
+          <a:p>
+            <a:pPr marL="0" indent="0">
+              <a:buNone/>
+            </a:pPr>
+            <a:endParaRPr lang="en-US" dirty="0"/>
           </a:p>
         </p:txBody>
       </p:sp>
     </p:spTree>
     <p:extLst>
       <p:ext uri="{BB962C8B-B14F-4D97-AF65-F5344CB8AC3E}">
-        <p14:creationId xmlns:p14="http://schemas.microsoft.com/office/powerpoint/2010/main" val="1568812612"/>
+        <p14:creationId xmlns:p14="http://schemas.microsoft.com/office/powerpoint/2010/main" val="2026431490"/>
       </p:ext>
     </p:extLst>
   </p:cSld>
@@ -4618,7 +5306,13 @@
       </p:grpSpPr>
       <p:sp>
         <p:nvSpPr>
-          <p:cNvPr id="2" name="Title 1"/>
+          <p:cNvPr id="2" name="Title 1">
+            <a:extLst>
+              <a:ext uri="{FF2B5EF4-FFF2-40B4-BE49-F238E27FC236}">
+                <a16:creationId xmlns:a16="http://schemas.microsoft.com/office/drawing/2014/main" id="{F6756CF5-30FC-8141-94D1-239D4BFDEAE7}"/>
+              </a:ext>
+            </a:extLst>
+          </p:cNvPr>
           <p:cNvSpPr>
             <a:spLocks noGrp="1"/>
           </p:cNvSpPr>
@@ -4633,51 +5327,47 @@
           <a:p>
             <a:r>
               <a:rPr lang="en-US" dirty="0"/>
-              <a:t>6. Reshape </a:t>
-            </a:r>
+              <a:t>Fix column names</a:t>
+            </a:r>
+          </a:p>
+        </p:txBody>
+      </p:sp>
+      <p:sp>
+        <p:nvSpPr>
+          <p:cNvPr id="3" name="Content Placeholder 2">
+            <a:extLst>
+              <a:ext uri="{FF2B5EF4-FFF2-40B4-BE49-F238E27FC236}">
+                <a16:creationId xmlns:a16="http://schemas.microsoft.com/office/drawing/2014/main" id="{D20D1758-62B0-CB44-8DC7-C5FFAADDD2C1}"/>
+              </a:ext>
+            </a:extLst>
+          </p:cNvPr>
+          <p:cNvSpPr>
+            <a:spLocks noGrp="1"/>
+          </p:cNvSpPr>
+          <p:nvPr>
+            <p:ph idx="1"/>
+          </p:nvPr>
+        </p:nvSpPr>
+        <p:spPr/>
+        <p:txBody>
+          <a:bodyPr/>
+          <a:lstStyle/>
+          <a:p>
             <a:r>
               <a:rPr lang="en-US" dirty="0" err="1"/>
-              <a:t>dataframe</a:t>
-            </a:r>
-            <a:endParaRPr lang="en-US" dirty="0"/>
-          </a:p>
-        </p:txBody>
-      </p:sp>
-      <p:sp>
-        <p:nvSpPr>
-          <p:cNvPr id="3" name="Content Placeholder 2"/>
-          <p:cNvSpPr>
-            <a:spLocks noGrp="1"/>
-          </p:cNvSpPr>
-          <p:nvPr>
-            <p:ph idx="1"/>
-          </p:nvPr>
-        </p:nvSpPr>
-        <p:spPr/>
-        <p:txBody>
-          <a:bodyPr/>
-          <a:lstStyle/>
-          <a:p>
-            <a:r>
-              <a:rPr lang="en-US" dirty="0"/>
-              <a:t>Long to wide: Spread()</a:t>
-            </a:r>
-          </a:p>
-          <a:p>
-            <a:r>
-              <a:rPr lang="en-US" dirty="0"/>
-              <a:t>Wide to long: Gather()</a:t>
-            </a:r>
-          </a:p>
-          <a:p>
-            <a:endParaRPr lang="en-US" dirty="0"/>
+              <a:t>Mutate_at</a:t>
+            </a:r>
+            <a:r>
+              <a:rPr lang="en-US" dirty="0"/>
+              <a:t>()</a:t>
+            </a:r>
           </a:p>
         </p:txBody>
       </p:sp>
     </p:spTree>
     <p:extLst>
       <p:ext uri="{BB962C8B-B14F-4D97-AF65-F5344CB8AC3E}">
-        <p14:creationId xmlns:p14="http://schemas.microsoft.com/office/powerpoint/2010/main" val="55055441"/>
+        <p14:creationId xmlns:p14="http://schemas.microsoft.com/office/powerpoint/2010/main" val="2917260289"/>
       </p:ext>
     </p:extLst>
   </p:cSld>
@@ -4721,8 +5411,13 @@
           <a:p>
             <a:r>
               <a:rPr lang="en-US" dirty="0"/>
-              <a:t>Your homework</a:t>
-            </a:r>
+              <a:t>Reshape </a:t>
+            </a:r>
+            <a:r>
+              <a:rPr lang="en-US" dirty="0" err="1"/>
+              <a:t>dataframe</a:t>
+            </a:r>
+            <a:endParaRPr lang="en-US" dirty="0"/>
           </a:p>
         </p:txBody>
       </p:sp>
@@ -4736,48 +5431,92 @@
             <p:ph idx="1"/>
           </p:nvPr>
         </p:nvSpPr>
-        <p:spPr/>
+        <p:spPr>
+          <a:xfrm>
+            <a:off x="457200" y="1600202"/>
+            <a:ext cx="8229600" cy="4983160"/>
+          </a:xfrm>
+        </p:spPr>
         <p:txBody>
           <a:bodyPr>
-            <a:normAutofit/>
+            <a:normAutofit fontScale="92500" lnSpcReduction="10000"/>
           </a:bodyPr>
           <a:lstStyle/>
           <a:p>
             <a:r>
               <a:rPr lang="en-US" dirty="0"/>
-              <a:t>Start a tidy script to get your dataset into the right format</a:t>
+              <a:t>2 columns into 1: unite()</a:t>
+            </a:r>
+          </a:p>
+          <a:p>
+            <a:r>
+              <a:rPr lang="en-US" dirty="0"/>
+              <a:t>1 column into 2: separate()</a:t>
+            </a:r>
+          </a:p>
+          <a:p>
+            <a:endParaRPr lang="en-US" dirty="0"/>
+          </a:p>
+          <a:p>
+            <a:r>
+              <a:rPr lang="en-US" dirty="0"/>
+              <a:t>Long to wide: Spread()</a:t>
+            </a:r>
+          </a:p>
+          <a:p>
+            <a:r>
+              <a:rPr lang="en-US" dirty="0"/>
+              <a:t>Wide to long: Gather()</a:t>
+            </a:r>
+          </a:p>
+          <a:p>
+            <a:pPr marL="0" indent="0">
+              <a:buNone/>
+            </a:pPr>
+            <a:endParaRPr lang="en-US" dirty="0"/>
+          </a:p>
+          <a:p>
+            <a:r>
+              <a:rPr lang="en-US" dirty="0"/>
+              <a:t>Fill in missing values: complete(), fill()</a:t>
+            </a:r>
+          </a:p>
+          <a:p>
+            <a:r>
+              <a:rPr lang="en-US" dirty="0"/>
+              <a:t>Combine tables: </a:t>
             </a:r>
           </a:p>
           <a:p>
             <a:pPr lvl="1"/>
             <a:r>
-              <a:rPr lang="en-US" dirty="0"/>
-              <a:t>Each row = one observation</a:t>
+              <a:rPr lang="en-US" dirty="0" err="1"/>
+              <a:t>bind_cols</a:t>
+            </a:r>
+            <a:r>
+              <a:rPr lang="en-US" dirty="0"/>
+              <a:t>(), </a:t>
+            </a:r>
+            <a:r>
+              <a:rPr lang="en-US" dirty="0" err="1"/>
+              <a:t>bind_rows</a:t>
+            </a:r>
+            <a:r>
+              <a:rPr lang="en-US" dirty="0"/>
+              <a:t>()</a:t>
             </a:r>
           </a:p>
           <a:p>
             <a:pPr lvl="1"/>
             <a:r>
               <a:rPr lang="en-US" dirty="0"/>
-              <a:t>Columns named using given guidelines </a:t>
-            </a:r>
-          </a:p>
-          <a:p>
-            <a:pPr lvl="1"/>
-            <a:r>
-              <a:rPr lang="en-US" dirty="0"/>
-              <a:t>Correct ’shape’</a:t>
-            </a:r>
-          </a:p>
-          <a:p>
-            <a:r>
-              <a:rPr lang="en-US" dirty="0"/>
-              <a:t>Code </a:t>
-            </a:r>
-            <a:r>
-              <a:rPr lang="en-US"/>
-              <a:t>with style! </a:t>
-            </a:r>
+              <a:t>___ join() lots of options of types of joins</a:t>
+            </a:r>
+          </a:p>
+          <a:p>
+            <a:endParaRPr lang="en-US" dirty="0"/>
+          </a:p>
+          <a:p>
             <a:endParaRPr lang="en-US" dirty="0"/>
           </a:p>
         </p:txBody>
@@ -4785,7 +5524,94 @@
     </p:spTree>
     <p:extLst>
       <p:ext uri="{BB962C8B-B14F-4D97-AF65-F5344CB8AC3E}">
-        <p14:creationId xmlns:p14="http://schemas.microsoft.com/office/powerpoint/2010/main" val="1532333738"/>
+        <p14:creationId xmlns:p14="http://schemas.microsoft.com/office/powerpoint/2010/main" val="55055441"/>
+      </p:ext>
+    </p:extLst>
+  </p:cSld>
+  <p:clrMapOvr>
+    <a:masterClrMapping/>
+  </p:clrMapOvr>
+</p:sld>
+</file>
+
+<file path=ppt/slides/slide9.xml><?xml version="1.0" encoding="utf-8"?>
+<p:sld xmlns:a="http://schemas.openxmlformats.org/drawingml/2006/main" xmlns:r="http://schemas.openxmlformats.org/officeDocument/2006/relationships" xmlns:p="http://schemas.openxmlformats.org/presentationml/2006/main">
+  <p:cSld>
+    <p:spTree>
+      <p:nvGrpSpPr>
+        <p:cNvPr id="1" name=""/>
+        <p:cNvGrpSpPr/>
+        <p:nvPr/>
+      </p:nvGrpSpPr>
+      <p:grpSpPr>
+        <a:xfrm>
+          <a:off x="0" y="0"/>
+          <a:ext cx="0" cy="0"/>
+          <a:chOff x="0" y="0"/>
+          <a:chExt cx="0" cy="0"/>
+        </a:xfrm>
+      </p:grpSpPr>
+      <p:sp>
+        <p:nvSpPr>
+          <p:cNvPr id="2" name="Title 1">
+            <a:extLst>
+              <a:ext uri="{FF2B5EF4-FFF2-40B4-BE49-F238E27FC236}">
+                <a16:creationId xmlns:a16="http://schemas.microsoft.com/office/drawing/2014/main" id="{273036C9-4C48-9A45-A328-70DE17F1FF58}"/>
+              </a:ext>
+            </a:extLst>
+          </p:cNvPr>
+          <p:cNvSpPr>
+            <a:spLocks noGrp="1"/>
+          </p:cNvSpPr>
+          <p:nvPr>
+            <p:ph type="title"/>
+          </p:nvPr>
+        </p:nvSpPr>
+        <p:spPr/>
+        <p:txBody>
+          <a:bodyPr/>
+          <a:lstStyle/>
+          <a:p>
+            <a:r>
+              <a:rPr lang="en-US" dirty="0"/>
+              <a:t>Tidy Data</a:t>
+            </a:r>
+          </a:p>
+        </p:txBody>
+      </p:sp>
+      <p:pic>
+        <p:nvPicPr>
+          <p:cNvPr id="5" name="Content Placeholder 4" descr="A drawing of a person&#10;&#10;Description automatically generated">
+            <a:extLst>
+              <a:ext uri="{FF2B5EF4-FFF2-40B4-BE49-F238E27FC236}">
+                <a16:creationId xmlns:a16="http://schemas.microsoft.com/office/drawing/2014/main" id="{4F40A8FB-86F8-9F40-B98B-7CBB6C66B38A}"/>
+              </a:ext>
+            </a:extLst>
+          </p:cNvPr>
+          <p:cNvPicPr>
+            <a:picLocks noGrp="1" noChangeAspect="1"/>
+          </p:cNvPicPr>
+          <p:nvPr>
+            <p:ph idx="1"/>
+          </p:nvPr>
+        </p:nvPicPr>
+        <p:blipFill>
+          <a:blip r:embed="rId2"/>
+          <a:stretch>
+            <a:fillRect/>
+          </a:stretch>
+        </p:blipFill>
+        <p:spPr>
+          <a:xfrm>
+            <a:off x="457200" y="2577306"/>
+            <a:ext cx="8229600" cy="2571750"/>
+          </a:xfrm>
+        </p:spPr>
+      </p:pic>
+    </p:spTree>
+    <p:extLst>
+      <p:ext uri="{BB962C8B-B14F-4D97-AF65-F5344CB8AC3E}">
+        <p14:creationId xmlns:p14="http://schemas.microsoft.com/office/powerpoint/2010/main" val="4293374764"/>
       </p:ext>
     </p:extLst>
   </p:cSld>
